--- a/Report/컴퓨터학부 설립 50 - 1 주년 기념 소프트웨어공모전/2019 소공전 데모포스터 - 개가천선.pptx
+++ b/Report/컴퓨터학부 설립 50 - 1 주년 기념 소프트웨어공모전/2019 소공전 데모포스터 - 개가천선.pptx
@@ -7747,337 +7747,6 @@
               <a:t>③</a:t>
             </a:r>
             <a:endParaRPr lang="ko-KR" altLang="en-US" sz="3200" b="1" dirty="0"/>
-          </a:p>
-        </p:txBody>
-      </p:sp>
-      <p:sp>
-        <p:nvSpPr>
-          <p:cNvPr id="36" name="TextBox 35">
-            <a:extLst>
-              <a:ext uri="{FF2B5EF4-FFF2-40B4-BE49-F238E27FC236}">
-                <a16:creationId xmlns:a16="http://schemas.microsoft.com/office/drawing/2014/main" id="{54934DAA-C5CC-440B-AFA5-E4063203072A}"/>
-              </a:ext>
-            </a:extLst>
-          </p:cNvPr>
-          <p:cNvSpPr txBox="1"/>
-          <p:nvPr/>
-        </p:nvSpPr>
-        <p:spPr>
-          <a:xfrm>
-            <a:off x="31467696" y="14257534"/>
-            <a:ext cx="7848872" cy="16712267"/>
-          </a:xfrm>
-          <a:prstGeom prst="rect">
-            <a:avLst/>
-          </a:prstGeom>
-          <a:noFill/>
-        </p:spPr>
-        <p:txBody>
-          <a:bodyPr wrap="square" rtlCol="0">
-            <a:spAutoFit/>
-          </a:bodyPr>
-          <a:lstStyle/>
-          <a:p>
-            <a:r>
-              <a:rPr lang="en-US" altLang="ko-KR" sz="5400" dirty="0">
-                <a:latin typeface="맑은 고딕" panose="020B0503020000020004" pitchFamily="50" charset="-127"/>
-                <a:ea typeface="맑은 고딕" panose="020B0503020000020004" pitchFamily="50" charset="-127"/>
-              </a:rPr>
-              <a:t>1</a:t>
-            </a:r>
-            <a:r>
-              <a:rPr lang="ko-KR" altLang="en-US" sz="5400" dirty="0">
-                <a:latin typeface="맑은 고딕" panose="020B0503020000020004" pitchFamily="50" charset="-127"/>
-                <a:ea typeface="맑은 고딕" panose="020B0503020000020004" pitchFamily="50" charset="-127"/>
-              </a:rPr>
-              <a:t> 목소리</a:t>
-            </a:r>
-            <a:endParaRPr lang="en-US" altLang="ko-KR" sz="5400" dirty="0">
-              <a:latin typeface="맑은 고딕" panose="020B0503020000020004" pitchFamily="50" charset="-127"/>
-              <a:ea typeface="맑은 고딕" panose="020B0503020000020004" pitchFamily="50" charset="-127"/>
-            </a:endParaRPr>
-          </a:p>
-          <a:p>
-            <a:r>
-              <a:rPr lang="en-US" altLang="ko-KR" sz="5400" dirty="0">
-                <a:latin typeface="맑은 고딕" panose="020B0503020000020004" pitchFamily="50" charset="-127"/>
-                <a:ea typeface="맑은 고딕" panose="020B0503020000020004" pitchFamily="50" charset="-127"/>
-              </a:rPr>
-              <a:t>2 </a:t>
-            </a:r>
-            <a:r>
-              <a:rPr lang="ko-KR" altLang="en-US" sz="5400" dirty="0">
-                <a:latin typeface="맑은 고딕" panose="020B0503020000020004" pitchFamily="50" charset="-127"/>
-                <a:ea typeface="맑은 고딕" panose="020B0503020000020004" pitchFamily="50" charset="-127"/>
-              </a:rPr>
-              <a:t>앉음</a:t>
-            </a:r>
-            <a:endParaRPr lang="en-US" altLang="ko-KR" sz="5400" dirty="0">
-              <a:latin typeface="맑은 고딕" panose="020B0503020000020004" pitchFamily="50" charset="-127"/>
-              <a:ea typeface="맑은 고딕" panose="020B0503020000020004" pitchFamily="50" charset="-127"/>
-            </a:endParaRPr>
-          </a:p>
-          <a:p>
-            <a:r>
-              <a:rPr lang="en-US" altLang="ko-KR" sz="5400" dirty="0">
-                <a:latin typeface="맑은 고딕" panose="020B0503020000020004" pitchFamily="50" charset="-127"/>
-                <a:ea typeface="맑은 고딕" panose="020B0503020000020004" pitchFamily="50" charset="-127"/>
-              </a:rPr>
-              <a:t>3 </a:t>
-            </a:r>
-            <a:r>
-              <a:rPr lang="ko-KR" altLang="en-US" sz="5400" dirty="0">
-                <a:latin typeface="맑은 고딕" panose="020B0503020000020004" pitchFamily="50" charset="-127"/>
-                <a:ea typeface="맑은 고딕" panose="020B0503020000020004" pitchFamily="50" charset="-127"/>
-              </a:rPr>
-              <a:t>판별</a:t>
-            </a:r>
-            <a:endParaRPr lang="en-US" altLang="ko-KR" sz="5400" dirty="0">
-              <a:latin typeface="맑은 고딕" panose="020B0503020000020004" pitchFamily="50" charset="-127"/>
-              <a:ea typeface="맑은 고딕" panose="020B0503020000020004" pitchFamily="50" charset="-127"/>
-            </a:endParaRPr>
-          </a:p>
-          <a:p>
-            <a:r>
-              <a:rPr lang="en-US" altLang="ko-KR" sz="5400" dirty="0">
-                <a:latin typeface="맑은 고딕" panose="020B0503020000020004" pitchFamily="50" charset="-127"/>
-                <a:ea typeface="맑은 고딕" panose="020B0503020000020004" pitchFamily="50" charset="-127"/>
-              </a:rPr>
-              <a:t>4 </a:t>
-            </a:r>
-            <a:r>
-              <a:rPr lang="ko-KR" altLang="en-US" sz="5400" dirty="0">
-                <a:latin typeface="맑은 고딕" panose="020B0503020000020004" pitchFamily="50" charset="-127"/>
-                <a:ea typeface="맑은 고딕" panose="020B0503020000020004" pitchFamily="50" charset="-127"/>
-              </a:rPr>
-              <a:t>보상</a:t>
-            </a:r>
-            <a:endParaRPr lang="en-US" altLang="ko-KR" sz="5400" dirty="0">
-              <a:latin typeface="맑은 고딕" panose="020B0503020000020004" pitchFamily="50" charset="-127"/>
-              <a:ea typeface="맑은 고딕" panose="020B0503020000020004" pitchFamily="50" charset="-127"/>
-            </a:endParaRPr>
-          </a:p>
-          <a:p>
-            <a:endParaRPr lang="en-US" altLang="ko-KR" sz="5400" dirty="0">
-              <a:latin typeface="맑은 고딕" panose="020B0503020000020004" pitchFamily="50" charset="-127"/>
-              <a:ea typeface="맑은 고딕" panose="020B0503020000020004" pitchFamily="50" charset="-127"/>
-            </a:endParaRPr>
-          </a:p>
-          <a:p>
-            <a:r>
-              <a:rPr lang="en-US" altLang="ko-KR" sz="5400" dirty="0">
-                <a:latin typeface="맑은 고딕" panose="020B0503020000020004" pitchFamily="50" charset="-127"/>
-                <a:ea typeface="맑은 고딕" panose="020B0503020000020004" pitchFamily="50" charset="-127"/>
-              </a:rPr>
-              <a:t>1 </a:t>
-            </a:r>
-            <a:r>
-              <a:rPr lang="ko-KR" altLang="en-US" sz="5400" dirty="0">
-                <a:latin typeface="맑은 고딕" panose="020B0503020000020004" pitchFamily="50" charset="-127"/>
-                <a:ea typeface="맑은 고딕" panose="020B0503020000020004" pitchFamily="50" charset="-127"/>
-              </a:rPr>
-              <a:t>패드 위에 배변</a:t>
-            </a:r>
-            <a:endParaRPr lang="en-US" altLang="ko-KR" sz="5400" dirty="0">
-              <a:latin typeface="맑은 고딕" panose="020B0503020000020004" pitchFamily="50" charset="-127"/>
-              <a:ea typeface="맑은 고딕" panose="020B0503020000020004" pitchFamily="50" charset="-127"/>
-            </a:endParaRPr>
-          </a:p>
-          <a:p>
-            <a:r>
-              <a:rPr lang="en-US" altLang="ko-KR" sz="5400" dirty="0">
-                <a:latin typeface="맑은 고딕" panose="020B0503020000020004" pitchFamily="50" charset="-127"/>
-                <a:ea typeface="맑은 고딕" panose="020B0503020000020004" pitchFamily="50" charset="-127"/>
-              </a:rPr>
-              <a:t>2 </a:t>
-            </a:r>
-            <a:r>
-              <a:rPr lang="ko-KR" altLang="en-US" sz="5400" dirty="0">
-                <a:latin typeface="맑은 고딕" panose="020B0503020000020004" pitchFamily="50" charset="-127"/>
-                <a:ea typeface="맑은 고딕" panose="020B0503020000020004" pitchFamily="50" charset="-127"/>
-              </a:rPr>
-              <a:t>배변 인식</a:t>
-            </a:r>
-            <a:endParaRPr lang="en-US" altLang="ko-KR" sz="5400" dirty="0">
-              <a:latin typeface="맑은 고딕" panose="020B0503020000020004" pitchFamily="50" charset="-127"/>
-              <a:ea typeface="맑은 고딕" panose="020B0503020000020004" pitchFamily="50" charset="-127"/>
-            </a:endParaRPr>
-          </a:p>
-          <a:p>
-            <a:r>
-              <a:rPr lang="en-US" altLang="ko-KR" sz="5400" dirty="0">
-                <a:latin typeface="맑은 고딕" panose="020B0503020000020004" pitchFamily="50" charset="-127"/>
-                <a:ea typeface="맑은 고딕" panose="020B0503020000020004" pitchFamily="50" charset="-127"/>
-              </a:rPr>
-              <a:t>3 </a:t>
-            </a:r>
-            <a:r>
-              <a:rPr lang="ko-KR" altLang="en-US" sz="5400" dirty="0">
-                <a:latin typeface="맑은 고딕" panose="020B0503020000020004" pitchFamily="50" charset="-127"/>
-                <a:ea typeface="맑은 고딕" panose="020B0503020000020004" pitchFamily="50" charset="-127"/>
-              </a:rPr>
-              <a:t>보상</a:t>
-            </a:r>
-            <a:endParaRPr lang="en-US" altLang="ko-KR" sz="5400" dirty="0">
-              <a:latin typeface="맑은 고딕" panose="020B0503020000020004" pitchFamily="50" charset="-127"/>
-              <a:ea typeface="맑은 고딕" panose="020B0503020000020004" pitchFamily="50" charset="-127"/>
-            </a:endParaRPr>
-          </a:p>
-          <a:p>
-            <a:endParaRPr lang="en-US" altLang="ko-KR" sz="5400" dirty="0">
-              <a:latin typeface="맑은 고딕" panose="020B0503020000020004" pitchFamily="50" charset="-127"/>
-              <a:ea typeface="맑은 고딕" panose="020B0503020000020004" pitchFamily="50" charset="-127"/>
-            </a:endParaRPr>
-          </a:p>
-          <a:p>
-            <a:r>
-              <a:rPr lang="en-US" altLang="ko-KR" sz="5400" dirty="0">
-                <a:latin typeface="맑은 고딕" panose="020B0503020000020004" pitchFamily="50" charset="-127"/>
-                <a:ea typeface="맑은 고딕" panose="020B0503020000020004" pitchFamily="50" charset="-127"/>
-              </a:rPr>
-              <a:t>1 </a:t>
-            </a:r>
-            <a:r>
-              <a:rPr lang="ko-KR" altLang="en-US" sz="5400" dirty="0">
-                <a:latin typeface="맑은 고딕" panose="020B0503020000020004" pitchFamily="50" charset="-127"/>
-                <a:ea typeface="맑은 고딕" panose="020B0503020000020004" pitchFamily="50" charset="-127"/>
-              </a:rPr>
-              <a:t>놀이 시작</a:t>
-            </a:r>
-            <a:endParaRPr lang="en-US" altLang="ko-KR" sz="5400" dirty="0">
-              <a:latin typeface="맑은 고딕" panose="020B0503020000020004" pitchFamily="50" charset="-127"/>
-              <a:ea typeface="맑은 고딕" panose="020B0503020000020004" pitchFamily="50" charset="-127"/>
-            </a:endParaRPr>
-          </a:p>
-          <a:p>
-            <a:r>
-              <a:rPr lang="en-US" altLang="ko-KR" sz="5400" dirty="0">
-                <a:latin typeface="맑은 고딕" panose="020B0503020000020004" pitchFamily="50" charset="-127"/>
-                <a:ea typeface="맑은 고딕" panose="020B0503020000020004" pitchFamily="50" charset="-127"/>
-              </a:rPr>
-              <a:t>2 </a:t>
-            </a:r>
-            <a:r>
-              <a:rPr lang="ko-KR" altLang="en-US" sz="5400" dirty="0">
-                <a:latin typeface="맑은 고딕" panose="020B0503020000020004" pitchFamily="50" charset="-127"/>
-                <a:ea typeface="맑은 고딕" panose="020B0503020000020004" pitchFamily="50" charset="-127"/>
-              </a:rPr>
-              <a:t>버튼 누름</a:t>
-            </a:r>
-            <a:endParaRPr lang="en-US" altLang="ko-KR" sz="5400" dirty="0">
-              <a:latin typeface="맑은 고딕" panose="020B0503020000020004" pitchFamily="50" charset="-127"/>
-              <a:ea typeface="맑은 고딕" panose="020B0503020000020004" pitchFamily="50" charset="-127"/>
-            </a:endParaRPr>
-          </a:p>
-          <a:p>
-            <a:r>
-              <a:rPr lang="en-US" altLang="ko-KR" sz="5400" dirty="0">
-                <a:latin typeface="맑은 고딕" panose="020B0503020000020004" pitchFamily="50" charset="-127"/>
-                <a:ea typeface="맑은 고딕" panose="020B0503020000020004" pitchFamily="50" charset="-127"/>
-              </a:rPr>
-              <a:t>3 </a:t>
-            </a:r>
-            <a:r>
-              <a:rPr lang="ko-KR" altLang="en-US" sz="5400" dirty="0">
-                <a:latin typeface="맑은 고딕" panose="020B0503020000020004" pitchFamily="50" charset="-127"/>
-                <a:ea typeface="맑은 고딕" panose="020B0503020000020004" pitchFamily="50" charset="-127"/>
-              </a:rPr>
-              <a:t>보상</a:t>
-            </a:r>
-            <a:endParaRPr lang="en-US" altLang="ko-KR" sz="5400" dirty="0">
-              <a:latin typeface="맑은 고딕" panose="020B0503020000020004" pitchFamily="50" charset="-127"/>
-              <a:ea typeface="맑은 고딕" panose="020B0503020000020004" pitchFamily="50" charset="-127"/>
-            </a:endParaRPr>
-          </a:p>
-          <a:p>
-            <a:endParaRPr lang="en-US" altLang="ko-KR" sz="5400" dirty="0">
-              <a:latin typeface="맑은 고딕" panose="020B0503020000020004" pitchFamily="50" charset="-127"/>
-              <a:ea typeface="맑은 고딕" panose="020B0503020000020004" pitchFamily="50" charset="-127"/>
-            </a:endParaRPr>
-          </a:p>
-          <a:p>
-            <a:r>
-              <a:rPr lang="en-US" altLang="ko-KR" sz="5400" dirty="0">
-                <a:latin typeface="맑은 고딕" panose="020B0503020000020004" pitchFamily="50" charset="-127"/>
-                <a:ea typeface="맑은 고딕" panose="020B0503020000020004" pitchFamily="50" charset="-127"/>
-              </a:rPr>
-              <a:t>1 </a:t>
-            </a:r>
-            <a:r>
-              <a:rPr lang="ko-KR" altLang="en-US" sz="5400" dirty="0">
-                <a:latin typeface="맑은 고딕" panose="020B0503020000020004" pitchFamily="50" charset="-127"/>
-                <a:ea typeface="맑은 고딕" panose="020B0503020000020004" pitchFamily="50" charset="-127"/>
-              </a:rPr>
-              <a:t>보호자가 앱을 통해 영상통화 실행</a:t>
-            </a:r>
-            <a:endParaRPr lang="en-US" altLang="ko-KR" sz="5400" dirty="0">
-              <a:latin typeface="맑은 고딕" panose="020B0503020000020004" pitchFamily="50" charset="-127"/>
-              <a:ea typeface="맑은 고딕" panose="020B0503020000020004" pitchFamily="50" charset="-127"/>
-            </a:endParaRPr>
-          </a:p>
-          <a:p>
-            <a:r>
-              <a:rPr lang="en-US" altLang="ko-KR" sz="5400" dirty="0">
-                <a:latin typeface="맑은 고딕" panose="020B0503020000020004" pitchFamily="50" charset="-127"/>
-                <a:ea typeface="맑은 고딕" panose="020B0503020000020004" pitchFamily="50" charset="-127"/>
-              </a:rPr>
-              <a:t>2 </a:t>
-            </a:r>
-            <a:r>
-              <a:rPr lang="ko-KR" altLang="en-US" sz="5400" dirty="0">
-                <a:latin typeface="맑은 고딕" panose="020B0503020000020004" pitchFamily="50" charset="-127"/>
-                <a:ea typeface="맑은 고딕" panose="020B0503020000020004" pitchFamily="50" charset="-127"/>
-              </a:rPr>
-              <a:t>스마트폰 안에 </a:t>
-            </a:r>
-            <a:r>
-              <a:rPr lang="ko-KR" altLang="en-US" sz="5400" dirty="0" err="1">
-                <a:latin typeface="맑은 고딕" panose="020B0503020000020004" pitchFamily="50" charset="-127"/>
-                <a:ea typeface="맑은 고딕" panose="020B0503020000020004" pitchFamily="50" charset="-127"/>
-              </a:rPr>
-              <a:t>개그림</a:t>
-            </a:r>
-            <a:r>
-              <a:rPr lang="ko-KR" altLang="en-US" sz="5400" dirty="0">
-                <a:latin typeface="맑은 고딕" panose="020B0503020000020004" pitchFamily="50" charset="-127"/>
-                <a:ea typeface="맑은 고딕" panose="020B0503020000020004" pitchFamily="50" charset="-127"/>
-              </a:rPr>
-              <a:t> </a:t>
-            </a:r>
-            <a:r>
-              <a:rPr lang="en-US" altLang="ko-KR" sz="5400" dirty="0">
-                <a:latin typeface="맑은 고딕" panose="020B0503020000020004" pitchFamily="50" charset="-127"/>
-                <a:ea typeface="맑은 고딕" panose="020B0503020000020004" pitchFamily="50" charset="-127"/>
-              </a:rPr>
-              <a:t>&lt;-&gt;</a:t>
-            </a:r>
-            <a:r>
-              <a:rPr lang="ko-KR" altLang="en-US" sz="5400" dirty="0">
-                <a:latin typeface="맑은 고딕" panose="020B0503020000020004" pitchFamily="50" charset="-127"/>
-                <a:ea typeface="맑은 고딕" panose="020B0503020000020004" pitchFamily="50" charset="-127"/>
-              </a:rPr>
-              <a:t> 네모박스 안에 화면 안에 사람 그림</a:t>
-            </a:r>
-            <a:endParaRPr lang="en-US" altLang="ko-KR" sz="5400" dirty="0">
-              <a:latin typeface="맑은 고딕" panose="020B0503020000020004" pitchFamily="50" charset="-127"/>
-              <a:ea typeface="맑은 고딕" panose="020B0503020000020004" pitchFamily="50" charset="-127"/>
-            </a:endParaRPr>
-          </a:p>
-          <a:p>
-            <a:r>
-              <a:rPr lang="en-US" altLang="ko-KR" sz="5400" dirty="0">
-                <a:latin typeface="맑은 고딕" panose="020B0503020000020004" pitchFamily="50" charset="-127"/>
-                <a:ea typeface="맑은 고딕" panose="020B0503020000020004" pitchFamily="50" charset="-127"/>
-              </a:rPr>
-              <a:t>3 </a:t>
-            </a:r>
-            <a:r>
-              <a:rPr lang="ko-KR" altLang="en-US" sz="5400" dirty="0">
-                <a:latin typeface="맑은 고딕" panose="020B0503020000020004" pitchFamily="50" charset="-127"/>
-                <a:ea typeface="맑은 고딕" panose="020B0503020000020004" pitchFamily="50" charset="-127"/>
-              </a:rPr>
-              <a:t>앱을 통해 영상통화 종료</a:t>
-            </a:r>
           </a:p>
         </p:txBody>
       </p:sp>
